--- a/AngularJS Presentation.pptx
+++ b/AngularJS Presentation.pptx
@@ -1,6 +1,6 @@
 
 <file path=ppt/presentation.xml><?xml version="1.0" encoding="utf-8"?>
-<p:presentation xmlns:a="http://schemas.openxmlformats.org/drawingml/2006/main" xmlns:r="http://schemas.openxmlformats.org/officeDocument/2006/relationships" xmlns:p="http://schemas.openxmlformats.org/presentationml/2006/main" autoCompressPictures="0">
+<p:presentation xmlns:a="http://schemas.openxmlformats.org/drawingml/2006/main" xmlns:r="http://schemas.openxmlformats.org/officeDocument/2006/relationships" xmlns:p="http://schemas.openxmlformats.org/presentationml/2006/main" embedTrueTypeFonts="1" autoCompressPictures="0">
   <p:sldMasterIdLst>
     <p:sldMasterId id="2147483965" r:id="rId1"/>
   </p:sldMasterIdLst>
@@ -11,6 +11,33 @@
   </p:sldIdLst>
   <p:sldSz cx="12192000" cy="6858000"/>
   <p:notesSz cx="6858000" cy="9144000"/>
+  <p:embeddedFontLst>
+    <p:embeddedFont>
+      <p:font typeface="Calisto MT" panose="02040603050505030304" pitchFamily="18" charset="0"/>
+      <p:regular r:id="rId5"/>
+      <p:bold r:id="rId6"/>
+      <p:italic r:id="rId7"/>
+      <p:boldItalic r:id="rId8"/>
+    </p:embeddedFont>
+    <p:embeddedFont>
+      <p:font typeface="Wingdings 2" panose="05020102010507070707" pitchFamily="18" charset="2"/>
+      <p:regular r:id="rId9"/>
+    </p:embeddedFont>
+    <p:embeddedFont>
+      <p:font typeface="Trebuchet MS" panose="020B0603020202020204" pitchFamily="34" charset="0"/>
+      <p:regular r:id="rId10"/>
+      <p:bold r:id="rId11"/>
+      <p:italic r:id="rId12"/>
+      <p:boldItalic r:id="rId13"/>
+    </p:embeddedFont>
+    <p:embeddedFont>
+      <p:font typeface="Roboto Condensed" pitchFamily="2" charset="0"/>
+      <p:regular r:id="rId14"/>
+      <p:bold r:id="rId15"/>
+      <p:italic r:id="rId16"/>
+      <p:boldItalic r:id="rId17"/>
+    </p:embeddedFont>
+  </p:embeddedFontLst>
   <p:defaultTextStyle>
     <a:defPPr>
       <a:defRPr lang="en-US"/>
@@ -106,6 +133,11 @@
       </a:defRPr>
     </a:lvl9pPr>
   </p:defaultTextStyle>
+  <p:extLst>
+    <p:ext uri="{EFAFB233-063F-42B5-8137-9DF3F51BA10A}">
+      <p15:sldGuideLst xmlns:p15="http://schemas.microsoft.com/office/powerpoint/2012/main"/>
+    </p:ext>
+  </p:extLst>
 </p:presentation>
 </file>
 

--- a/AngularJS Presentation.pptx
+++ b/AngularJS Presentation.pptx
@@ -8,20 +8,17 @@
     <p:sldId id="256" r:id="rId2"/>
     <p:sldId id="257" r:id="rId3"/>
     <p:sldId id="258" r:id="rId4"/>
+    <p:sldId id="259" r:id="rId5"/>
   </p:sldIdLst>
   <p:sldSz cx="12192000" cy="6858000"/>
   <p:notesSz cx="6858000" cy="9144000"/>
   <p:embeddedFontLst>
     <p:embeddedFont>
       <p:font typeface="Calisto MT" panose="02040603050505030304" pitchFamily="18" charset="0"/>
-      <p:regular r:id="rId5"/>
-      <p:bold r:id="rId6"/>
-      <p:italic r:id="rId7"/>
-      <p:boldItalic r:id="rId8"/>
-    </p:embeddedFont>
-    <p:embeddedFont>
-      <p:font typeface="Wingdings 2" panose="05020102010507070707" pitchFamily="18" charset="2"/>
-      <p:regular r:id="rId9"/>
+      <p:regular r:id="rId6"/>
+      <p:bold r:id="rId7"/>
+      <p:italic r:id="rId8"/>
+      <p:boldItalic r:id="rId9"/>
     </p:embeddedFont>
     <p:embeddedFont>
       <p:font typeface="Trebuchet MS" panose="020B0603020202020204" pitchFamily="34" charset="0"/>
@@ -31,11 +28,15 @@
       <p:boldItalic r:id="rId13"/>
     </p:embeddedFont>
     <p:embeddedFont>
-      <p:font typeface="Roboto Condensed" pitchFamily="2" charset="0"/>
+      <p:font typeface="Roboto Condensed" panose="020B0604020202020204" charset="0"/>
       <p:regular r:id="rId14"/>
       <p:bold r:id="rId15"/>
       <p:italic r:id="rId16"/>
       <p:boldItalic r:id="rId17"/>
+    </p:embeddedFont>
+    <p:embeddedFont>
+      <p:font typeface="Wingdings 2" panose="05020102010507070707" pitchFamily="18" charset="2"/>
+      <p:regular r:id="rId18"/>
     </p:embeddedFont>
   </p:embeddedFontLst>
   <p:defaultTextStyle>
@@ -326,7 +327,7 @@
           <a:p>
             <a:fld id="{4AAD347D-5ACD-4C99-B74B-A9C85AD731AF}" type="datetimeFigureOut">
               <a:rPr lang="en-US" smtClean="0"/>
-              <a:t>4/4/2017</a:t>
+              <a:t>4/5/2017</a:t>
             </a:fld>
             <a:endParaRPr lang="en-US" dirty="0"/>
           </a:p>
@@ -624,7 +625,7 @@
           <a:p>
             <a:fld id="{4AAD347D-5ACD-4C99-B74B-A9C85AD731AF}" type="datetimeFigureOut">
               <a:rPr lang="en-US" smtClean="0"/>
-              <a:t>4/4/2017</a:t>
+              <a:t>4/5/2017</a:t>
             </a:fld>
             <a:endParaRPr lang="en-US" dirty="0"/>
           </a:p>
@@ -817,7 +818,7 @@
           <a:p>
             <a:fld id="{4AAD347D-5ACD-4C99-B74B-A9C85AD731AF}" type="datetimeFigureOut">
               <a:rPr lang="en-US" smtClean="0"/>
-              <a:t>4/4/2017</a:t>
+              <a:t>4/5/2017</a:t>
             </a:fld>
             <a:endParaRPr lang="en-US" dirty="0"/>
           </a:p>
@@ -1079,7 +1080,7 @@
           <a:p>
             <a:fld id="{4AAD347D-5ACD-4C99-B74B-A9C85AD731AF}" type="datetimeFigureOut">
               <a:rPr lang="en-US" smtClean="0"/>
-              <a:t>4/4/2017</a:t>
+              <a:t>4/5/2017</a:t>
             </a:fld>
             <a:endParaRPr lang="en-US" dirty="0"/>
           </a:p>
@@ -1504,7 +1505,7 @@
           <a:p>
             <a:fld id="{4AAD347D-5ACD-4C99-B74B-A9C85AD731AF}" type="datetimeFigureOut">
               <a:rPr lang="en-US" smtClean="0"/>
-              <a:t>4/4/2017</a:t>
+              <a:t>4/5/2017</a:t>
             </a:fld>
             <a:endParaRPr lang="en-US" dirty="0"/>
           </a:p>
@@ -2042,7 +2043,7 @@
           <a:p>
             <a:fld id="{4AAD347D-5ACD-4C99-B74B-A9C85AD731AF}" type="datetimeFigureOut">
               <a:rPr lang="en-US" smtClean="0"/>
-              <a:t>4/4/2017</a:t>
+              <a:t>4/5/2017</a:t>
             </a:fld>
             <a:endParaRPr lang="en-US" dirty="0"/>
           </a:p>
@@ -2907,7 +2908,7 @@
           <a:p>
             <a:fld id="{4AAD347D-5ACD-4C99-B74B-A9C85AD731AF}" type="datetimeFigureOut">
               <a:rPr lang="en-US" smtClean="0"/>
-              <a:t>4/4/2017</a:t>
+              <a:t>4/5/2017</a:t>
             </a:fld>
             <a:endParaRPr lang="en-US" dirty="0"/>
           </a:p>
@@ -3078,7 +3079,7 @@
           <a:p>
             <a:fld id="{4509A250-FF31-4206-8172-F9D3106AACB1}" type="datetimeFigureOut">
               <a:rPr lang="en-US" smtClean="0"/>
-              <a:t>4/4/2017</a:t>
+              <a:t>4/5/2017</a:t>
             </a:fld>
             <a:endParaRPr lang="en-US" dirty="0"/>
           </a:p>
@@ -3262,7 +3263,7 @@
           <a:p>
             <a:fld id="{4509A250-FF31-4206-8172-F9D3106AACB1}" type="datetimeFigureOut">
               <a:rPr lang="en-US" smtClean="0"/>
-              <a:t>4/4/2017</a:t>
+              <a:t>4/5/2017</a:t>
             </a:fld>
             <a:endParaRPr lang="en-US" dirty="0"/>
           </a:p>
@@ -3432,7 +3433,7 @@
           <a:p>
             <a:fld id="{4509A250-FF31-4206-8172-F9D3106AACB1}" type="datetimeFigureOut">
               <a:rPr lang="en-US" smtClean="0"/>
-              <a:t>4/4/2017</a:t>
+              <a:t>4/5/2017</a:t>
             </a:fld>
             <a:endParaRPr lang="en-US" dirty="0"/>
           </a:p>
@@ -3676,7 +3677,7 @@
           <a:p>
             <a:fld id="{9796027F-7875-4030-9381-8BD8C4F21935}" type="datetimeFigureOut">
               <a:rPr lang="en-US" smtClean="0"/>
-              <a:t>4/4/2017</a:t>
+              <a:t>4/5/2017</a:t>
             </a:fld>
             <a:endParaRPr lang="en-US" dirty="0"/>
           </a:p>
@@ -3912,7 +3913,7 @@
           <a:p>
             <a:fld id="{9796027F-7875-4030-9381-8BD8C4F21935}" type="datetimeFigureOut">
               <a:rPr lang="en-US" smtClean="0"/>
-              <a:t>4/4/2017</a:t>
+              <a:t>4/5/2017</a:t>
             </a:fld>
             <a:endParaRPr lang="en-US" dirty="0"/>
           </a:p>
@@ -4378,7 +4379,7 @@
           <a:p>
             <a:fld id="{9796027F-7875-4030-9381-8BD8C4F21935}" type="datetimeFigureOut">
               <a:rPr lang="en-US" smtClean="0"/>
-              <a:t>4/4/2017</a:t>
+              <a:t>4/5/2017</a:t>
             </a:fld>
             <a:endParaRPr lang="en-US" dirty="0"/>
           </a:p>
@@ -4496,7 +4497,7 @@
           <a:p>
             <a:fld id="{4509A250-FF31-4206-8172-F9D3106AACB1}" type="datetimeFigureOut">
               <a:rPr lang="en-US" smtClean="0"/>
-              <a:t>4/4/2017</a:t>
+              <a:t>4/5/2017</a:t>
             </a:fld>
             <a:endParaRPr lang="en-US" dirty="0"/>
           </a:p>
@@ -4591,7 +4592,7 @@
           <a:p>
             <a:fld id="{4509A250-FF31-4206-8172-F9D3106AACB1}" type="datetimeFigureOut">
               <a:rPr lang="en-US" smtClean="0"/>
-              <a:t>4/4/2017</a:t>
+              <a:t>4/5/2017</a:t>
             </a:fld>
             <a:endParaRPr lang="en-US" dirty="0"/>
           </a:p>
@@ -4846,7 +4847,7 @@
           <a:p>
             <a:fld id="{4509A250-FF31-4206-8172-F9D3106AACB1}" type="datetimeFigureOut">
               <a:rPr lang="en-US" smtClean="0"/>
-              <a:t>4/4/2017</a:t>
+              <a:t>4/5/2017</a:t>
             </a:fld>
             <a:endParaRPr lang="en-US" dirty="0"/>
           </a:p>
@@ -5146,7 +5147,7 @@
           <a:p>
             <a:fld id="{4509A250-FF31-4206-8172-F9D3106AACB1}" type="datetimeFigureOut">
               <a:rPr lang="en-US" smtClean="0"/>
-              <a:t>4/4/2017</a:t>
+              <a:t>4/5/2017</a:t>
             </a:fld>
             <a:endParaRPr lang="en-US" dirty="0"/>
           </a:p>
@@ -5380,7 +5381,7 @@
           <a:p>
             <a:fld id="{4AAD347D-5ACD-4C99-B74B-A9C85AD731AF}" type="datetimeFigureOut">
               <a:rPr lang="en-US" smtClean="0"/>
-              <a:t>4/4/2017</a:t>
+              <a:t>4/5/2017</a:t>
             </a:fld>
             <a:endParaRPr lang="en-US" dirty="0"/>
           </a:p>
@@ -6173,7 +6174,7 @@
                 <a:latin typeface="Roboto Condensed" pitchFamily="2" charset="0"/>
                 <a:ea typeface="Roboto Condensed" pitchFamily="2" charset="0"/>
               </a:rPr>
-              <a:t>Implements MVC / MVVC / MVW architecture</a:t>
+              <a:t>Implements MVC / MVVM architecture</a:t>
             </a:r>
           </a:p>
         </p:txBody>
@@ -6212,6 +6213,161 @@
   <p:clrMapOvr>
     <a:masterClrMapping/>
   </p:clrMapOvr>
+  <p:transition spd="slow">
+    <p:wipe/>
+  </p:transition>
+  <p:timing>
+    <p:tnLst>
+      <p:par>
+        <p:cTn id="1" dur="indefinite" restart="never" nodeType="tmRoot">
+          <p:childTnLst>
+            <p:seq concurrent="1" nextAc="seek">
+              <p:cTn id="2" dur="indefinite" nodeType="mainSeq">
+                <p:childTnLst>
+                  <p:par>
+                    <p:cTn id="3" fill="hold">
+                      <p:stCondLst>
+                        <p:cond delay="indefinite"/>
+                      </p:stCondLst>
+                      <p:childTnLst>
+                        <p:par>
+                          <p:cTn id="4" fill="hold">
+                            <p:stCondLst>
+                              <p:cond delay="0"/>
+                            </p:stCondLst>
+                            <p:childTnLst>
+                              <p:par>
+                                <p:cTn id="5" presetID="10" presetClass="entr" presetSubtype="0" fill="hold" nodeType="clickEffect">
+                                  <p:stCondLst>
+                                    <p:cond delay="0"/>
+                                  </p:stCondLst>
+                                  <p:childTnLst>
+                                    <p:set>
+                                      <p:cBhvr>
+                                        <p:cTn id="6" dur="1" fill="hold">
+                                          <p:stCondLst>
+                                            <p:cond delay="0"/>
+                                          </p:stCondLst>
+                                        </p:cTn>
+                                        <p:tgtEl>
+                                          <p:spTgt spid="10">
+                                            <p:txEl>
+                                              <p:pRg st="0" end="0"/>
+                                            </p:txEl>
+                                          </p:spTgt>
+                                        </p:tgtEl>
+                                        <p:attrNameLst>
+                                          <p:attrName>style.visibility</p:attrName>
+                                        </p:attrNameLst>
+                                      </p:cBhvr>
+                                      <p:to>
+                                        <p:strVal val="visible"/>
+                                      </p:to>
+                                    </p:set>
+                                    <p:animEffect transition="in" filter="fade">
+                                      <p:cBhvr>
+                                        <p:cTn id="7" dur="500"/>
+                                        <p:tgtEl>
+                                          <p:spTgt spid="10">
+                                            <p:txEl>
+                                              <p:pRg st="0" end="0"/>
+                                            </p:txEl>
+                                          </p:spTgt>
+                                        </p:tgtEl>
+                                      </p:cBhvr>
+                                    </p:animEffect>
+                                  </p:childTnLst>
+                                </p:cTn>
+                              </p:par>
+                            </p:childTnLst>
+                          </p:cTn>
+                        </p:par>
+                      </p:childTnLst>
+                    </p:cTn>
+                  </p:par>
+                  <p:par>
+                    <p:cTn id="8" fill="hold">
+                      <p:stCondLst>
+                        <p:cond delay="indefinite"/>
+                      </p:stCondLst>
+                      <p:childTnLst>
+                        <p:par>
+                          <p:cTn id="9" fill="hold">
+                            <p:stCondLst>
+                              <p:cond delay="0"/>
+                            </p:stCondLst>
+                            <p:childTnLst>
+                              <p:par>
+                                <p:cTn id="10" presetID="10" presetClass="entr" presetSubtype="0" fill="hold" nodeType="clickEffect">
+                                  <p:stCondLst>
+                                    <p:cond delay="0"/>
+                                  </p:stCondLst>
+                                  <p:childTnLst>
+                                    <p:set>
+                                      <p:cBhvr>
+                                        <p:cTn id="11" dur="1" fill="hold">
+                                          <p:stCondLst>
+                                            <p:cond delay="0"/>
+                                          </p:stCondLst>
+                                        </p:cTn>
+                                        <p:tgtEl>
+                                          <p:spTgt spid="10">
+                                            <p:txEl>
+                                              <p:pRg st="1" end="1"/>
+                                            </p:txEl>
+                                          </p:spTgt>
+                                        </p:tgtEl>
+                                        <p:attrNameLst>
+                                          <p:attrName>style.visibility</p:attrName>
+                                        </p:attrNameLst>
+                                      </p:cBhvr>
+                                      <p:to>
+                                        <p:strVal val="visible"/>
+                                      </p:to>
+                                    </p:set>
+                                    <p:animEffect transition="in" filter="fade">
+                                      <p:cBhvr>
+                                        <p:cTn id="12" dur="500"/>
+                                        <p:tgtEl>
+                                          <p:spTgt spid="10">
+                                            <p:txEl>
+                                              <p:pRg st="1" end="1"/>
+                                            </p:txEl>
+                                          </p:spTgt>
+                                        </p:tgtEl>
+                                      </p:cBhvr>
+                                    </p:animEffect>
+                                  </p:childTnLst>
+                                </p:cTn>
+                              </p:par>
+                            </p:childTnLst>
+                          </p:cTn>
+                        </p:par>
+                      </p:childTnLst>
+                    </p:cTn>
+                  </p:par>
+                </p:childTnLst>
+              </p:cTn>
+              <p:prevCondLst>
+                <p:cond evt="onPrev" delay="0">
+                  <p:tgtEl>
+                    <p:sldTgt/>
+                  </p:tgtEl>
+                </p:cond>
+              </p:prevCondLst>
+              <p:nextCondLst>
+                <p:cond evt="onNext" delay="0">
+                  <p:tgtEl>
+                    <p:sldTgt/>
+                  </p:tgtEl>
+                </p:cond>
+              </p:nextCondLst>
+            </p:seq>
+          </p:childTnLst>
+        </p:cTn>
+      </p:par>
+    </p:tnLst>
+  </p:timing>
 </p:sld>
 </file>
 
@@ -6309,7 +6465,20 @@
                 <a:latin typeface="Roboto Condensed" pitchFamily="2" charset="0"/>
                 <a:ea typeface="Roboto Condensed" pitchFamily="2" charset="0"/>
               </a:rPr>
-              <a:t>Controllers</a:t>
+              <a:t>Controllers links back-end data with the presentation layer</a:t>
+            </a:r>
+          </a:p>
+          <a:p>
+            <a:pPr>
+              <a:buFont typeface="Wingdings" panose="05000000000000000000" pitchFamily="2" charset="2"/>
+              <a:buChar char="§"/>
+            </a:pPr>
+            <a:r>
+              <a:rPr lang="en-CA" sz="2800" dirty="0">
+                <a:latin typeface="Roboto Condensed" pitchFamily="2" charset="0"/>
+                <a:ea typeface="Roboto Condensed" pitchFamily="2" charset="0"/>
+              </a:rPr>
+              <a:t>AngularJS objects are POJO (plain old JavaScript objects)</a:t>
             </a:r>
           </a:p>
         </p:txBody>
@@ -6342,6 +6511,364 @@
     <p:extLst>
       <p:ext uri="{BB962C8B-B14F-4D97-AF65-F5344CB8AC3E}">
         <p14:creationId xmlns:p14="http://schemas.microsoft.com/office/powerpoint/2010/main" val="3476366550"/>
+      </p:ext>
+    </p:extLst>
+  </p:cSld>
+  <p:clrMapOvr>
+    <a:masterClrMapping/>
+  </p:clrMapOvr>
+  <p:timing>
+    <p:tnLst>
+      <p:par>
+        <p:cTn id="1" dur="indefinite" restart="never" nodeType="tmRoot">
+          <p:childTnLst>
+            <p:seq concurrent="1" nextAc="seek">
+              <p:cTn id="2" dur="indefinite" nodeType="mainSeq">
+                <p:childTnLst>
+                  <p:par>
+                    <p:cTn id="3" fill="hold">
+                      <p:stCondLst>
+                        <p:cond delay="indefinite"/>
+                      </p:stCondLst>
+                      <p:childTnLst>
+                        <p:par>
+                          <p:cTn id="4" fill="hold">
+                            <p:stCondLst>
+                              <p:cond delay="0"/>
+                            </p:stCondLst>
+                            <p:childTnLst>
+                              <p:par>
+                                <p:cTn id="5" presetID="10" presetClass="entr" presetSubtype="0" fill="hold" nodeType="clickEffect">
+                                  <p:stCondLst>
+                                    <p:cond delay="0"/>
+                                  </p:stCondLst>
+                                  <p:childTnLst>
+                                    <p:set>
+                                      <p:cBhvr>
+                                        <p:cTn id="6" dur="1" fill="hold">
+                                          <p:stCondLst>
+                                            <p:cond delay="0"/>
+                                          </p:stCondLst>
+                                        </p:cTn>
+                                        <p:tgtEl>
+                                          <p:spTgt spid="10">
+                                            <p:txEl>
+                                              <p:pRg st="0" end="0"/>
+                                            </p:txEl>
+                                          </p:spTgt>
+                                        </p:tgtEl>
+                                        <p:attrNameLst>
+                                          <p:attrName>style.visibility</p:attrName>
+                                        </p:attrNameLst>
+                                      </p:cBhvr>
+                                      <p:to>
+                                        <p:strVal val="visible"/>
+                                      </p:to>
+                                    </p:set>
+                                    <p:animEffect transition="in" filter="fade">
+                                      <p:cBhvr>
+                                        <p:cTn id="7" dur="500"/>
+                                        <p:tgtEl>
+                                          <p:spTgt spid="10">
+                                            <p:txEl>
+                                              <p:pRg st="0" end="0"/>
+                                            </p:txEl>
+                                          </p:spTgt>
+                                        </p:tgtEl>
+                                      </p:cBhvr>
+                                    </p:animEffect>
+                                  </p:childTnLst>
+                                </p:cTn>
+                              </p:par>
+                            </p:childTnLst>
+                          </p:cTn>
+                        </p:par>
+                      </p:childTnLst>
+                    </p:cTn>
+                  </p:par>
+                  <p:par>
+                    <p:cTn id="8" fill="hold">
+                      <p:stCondLst>
+                        <p:cond delay="indefinite"/>
+                      </p:stCondLst>
+                      <p:childTnLst>
+                        <p:par>
+                          <p:cTn id="9" fill="hold">
+                            <p:stCondLst>
+                              <p:cond delay="0"/>
+                            </p:stCondLst>
+                            <p:childTnLst>
+                              <p:par>
+                                <p:cTn id="10" presetID="10" presetClass="entr" presetSubtype="0" fill="hold" nodeType="clickEffect">
+                                  <p:stCondLst>
+                                    <p:cond delay="0"/>
+                                  </p:stCondLst>
+                                  <p:childTnLst>
+                                    <p:set>
+                                      <p:cBhvr>
+                                        <p:cTn id="11" dur="1" fill="hold">
+                                          <p:stCondLst>
+                                            <p:cond delay="0"/>
+                                          </p:stCondLst>
+                                        </p:cTn>
+                                        <p:tgtEl>
+                                          <p:spTgt spid="10">
+                                            <p:txEl>
+                                              <p:pRg st="1" end="1"/>
+                                            </p:txEl>
+                                          </p:spTgt>
+                                        </p:tgtEl>
+                                        <p:attrNameLst>
+                                          <p:attrName>style.visibility</p:attrName>
+                                        </p:attrNameLst>
+                                      </p:cBhvr>
+                                      <p:to>
+                                        <p:strVal val="visible"/>
+                                      </p:to>
+                                    </p:set>
+                                    <p:animEffect transition="in" filter="fade">
+                                      <p:cBhvr>
+                                        <p:cTn id="12" dur="500"/>
+                                        <p:tgtEl>
+                                          <p:spTgt spid="10">
+                                            <p:txEl>
+                                              <p:pRg st="1" end="1"/>
+                                            </p:txEl>
+                                          </p:spTgt>
+                                        </p:tgtEl>
+                                      </p:cBhvr>
+                                    </p:animEffect>
+                                  </p:childTnLst>
+                                </p:cTn>
+                              </p:par>
+                            </p:childTnLst>
+                          </p:cTn>
+                        </p:par>
+                      </p:childTnLst>
+                    </p:cTn>
+                  </p:par>
+                  <p:par>
+                    <p:cTn id="13" fill="hold">
+                      <p:stCondLst>
+                        <p:cond delay="indefinite"/>
+                      </p:stCondLst>
+                      <p:childTnLst>
+                        <p:par>
+                          <p:cTn id="14" fill="hold">
+                            <p:stCondLst>
+                              <p:cond delay="0"/>
+                            </p:stCondLst>
+                            <p:childTnLst>
+                              <p:par>
+                                <p:cTn id="15" presetID="10" presetClass="entr" presetSubtype="0" fill="hold" nodeType="clickEffect">
+                                  <p:stCondLst>
+                                    <p:cond delay="0"/>
+                                  </p:stCondLst>
+                                  <p:childTnLst>
+                                    <p:set>
+                                      <p:cBhvr>
+                                        <p:cTn id="16" dur="1" fill="hold">
+                                          <p:stCondLst>
+                                            <p:cond delay="0"/>
+                                          </p:stCondLst>
+                                        </p:cTn>
+                                        <p:tgtEl>
+                                          <p:spTgt spid="10">
+                                            <p:txEl>
+                                              <p:pRg st="2" end="2"/>
+                                            </p:txEl>
+                                          </p:spTgt>
+                                        </p:tgtEl>
+                                        <p:attrNameLst>
+                                          <p:attrName>style.visibility</p:attrName>
+                                        </p:attrNameLst>
+                                      </p:cBhvr>
+                                      <p:to>
+                                        <p:strVal val="visible"/>
+                                      </p:to>
+                                    </p:set>
+                                    <p:animEffect transition="in" filter="fade">
+                                      <p:cBhvr>
+                                        <p:cTn id="17" dur="500"/>
+                                        <p:tgtEl>
+                                          <p:spTgt spid="10">
+                                            <p:txEl>
+                                              <p:pRg st="2" end="2"/>
+                                            </p:txEl>
+                                          </p:spTgt>
+                                        </p:tgtEl>
+                                      </p:cBhvr>
+                                    </p:animEffect>
+                                  </p:childTnLst>
+                                </p:cTn>
+                              </p:par>
+                            </p:childTnLst>
+                          </p:cTn>
+                        </p:par>
+                      </p:childTnLst>
+                    </p:cTn>
+                  </p:par>
+                  <p:par>
+                    <p:cTn id="18" fill="hold">
+                      <p:stCondLst>
+                        <p:cond delay="indefinite"/>
+                      </p:stCondLst>
+                      <p:childTnLst>
+                        <p:par>
+                          <p:cTn id="19" fill="hold">
+                            <p:stCondLst>
+                              <p:cond delay="0"/>
+                            </p:stCondLst>
+                            <p:childTnLst>
+                              <p:par>
+                                <p:cTn id="20" presetID="10" presetClass="entr" presetSubtype="0" fill="hold" nodeType="clickEffect">
+                                  <p:stCondLst>
+                                    <p:cond delay="0"/>
+                                  </p:stCondLst>
+                                  <p:childTnLst>
+                                    <p:set>
+                                      <p:cBhvr>
+                                        <p:cTn id="21" dur="1" fill="hold">
+                                          <p:stCondLst>
+                                            <p:cond delay="0"/>
+                                          </p:stCondLst>
+                                        </p:cTn>
+                                        <p:tgtEl>
+                                          <p:spTgt spid="10">
+                                            <p:txEl>
+                                              <p:pRg st="3" end="3"/>
+                                            </p:txEl>
+                                          </p:spTgt>
+                                        </p:tgtEl>
+                                        <p:attrNameLst>
+                                          <p:attrName>style.visibility</p:attrName>
+                                        </p:attrNameLst>
+                                      </p:cBhvr>
+                                      <p:to>
+                                        <p:strVal val="visible"/>
+                                      </p:to>
+                                    </p:set>
+                                    <p:animEffect transition="in" filter="fade">
+                                      <p:cBhvr>
+                                        <p:cTn id="22" dur="500"/>
+                                        <p:tgtEl>
+                                          <p:spTgt spid="10">
+                                            <p:txEl>
+                                              <p:pRg st="3" end="3"/>
+                                            </p:txEl>
+                                          </p:spTgt>
+                                        </p:tgtEl>
+                                      </p:cBhvr>
+                                    </p:animEffect>
+                                  </p:childTnLst>
+                                </p:cTn>
+                              </p:par>
+                            </p:childTnLst>
+                          </p:cTn>
+                        </p:par>
+                      </p:childTnLst>
+                    </p:cTn>
+                  </p:par>
+                </p:childTnLst>
+              </p:cTn>
+              <p:prevCondLst>
+                <p:cond evt="onPrev" delay="0">
+                  <p:tgtEl>
+                    <p:sldTgt/>
+                  </p:tgtEl>
+                </p:cond>
+              </p:prevCondLst>
+              <p:nextCondLst>
+                <p:cond evt="onNext" delay="0">
+                  <p:tgtEl>
+                    <p:sldTgt/>
+                  </p:tgtEl>
+                </p:cond>
+              </p:nextCondLst>
+            </p:seq>
+          </p:childTnLst>
+        </p:cTn>
+      </p:par>
+    </p:tnLst>
+  </p:timing>
+</p:sld>
+</file>
+
+<file path=ppt/slides/slide4.xml><?xml version="1.0" encoding="utf-8"?>
+<p:sld xmlns:a="http://schemas.openxmlformats.org/drawingml/2006/main" xmlns:r="http://schemas.openxmlformats.org/officeDocument/2006/relationships" xmlns:p="http://schemas.openxmlformats.org/presentationml/2006/main">
+  <p:cSld>
+    <p:spTree>
+      <p:nvGrpSpPr>
+        <p:cNvPr id="1" name=""/>
+        <p:cNvGrpSpPr/>
+        <p:nvPr/>
+      </p:nvGrpSpPr>
+      <p:grpSpPr>
+        <a:xfrm>
+          <a:off x="0" y="0"/>
+          <a:ext cx="0" cy="0"/>
+          <a:chOff x="0" y="0"/>
+          <a:chExt cx="0" cy="0"/>
+        </a:xfrm>
+      </p:grpSpPr>
+      <p:sp>
+        <p:nvSpPr>
+          <p:cNvPr id="2" name="Title 1"/>
+          <p:cNvSpPr>
+            <a:spLocks noGrp="1"/>
+          </p:cNvSpPr>
+          <p:nvPr>
+            <p:ph type="title"/>
+          </p:nvPr>
+        </p:nvSpPr>
+        <p:spPr>
+          <a:xfrm>
+            <a:off x="913795" y="2853128"/>
+            <a:ext cx="10353762" cy="970450"/>
+          </a:xfrm>
+        </p:spPr>
+        <p:txBody>
+          <a:bodyPr/>
+          <a:lstStyle/>
+          <a:p>
+            <a:r>
+              <a:rPr lang="en-CA" dirty="0">
+                <a:latin typeface="Roboto Condensed" pitchFamily="2" charset="0"/>
+                <a:ea typeface="Roboto Condensed" pitchFamily="2" charset="0"/>
+              </a:rPr>
+              <a:t>Questions?</a:t>
+            </a:r>
+          </a:p>
+        </p:txBody>
+      </p:sp>
+      <p:pic>
+        <p:nvPicPr>
+          <p:cNvPr id="4" name="Picture 3"/>
+          <p:cNvPicPr>
+            <a:picLocks noChangeAspect="1"/>
+          </p:cNvPicPr>
+          <p:nvPr/>
+        </p:nvPicPr>
+        <p:blipFill>
+          <a:blip r:embed="rId2"/>
+          <a:stretch>
+            <a:fillRect/>
+          </a:stretch>
+        </p:blipFill>
+        <p:spPr>
+          <a:xfrm>
+            <a:off x="8907455" y="5962261"/>
+            <a:ext cx="2360102" cy="627281"/>
+          </a:xfrm>
+          <a:prstGeom prst="rect">
+            <a:avLst/>
+          </a:prstGeom>
+        </p:spPr>
+      </p:pic>
+    </p:spTree>
+    <p:extLst>
+      <p:ext uri="{BB962C8B-B14F-4D97-AF65-F5344CB8AC3E}">
+        <p14:creationId xmlns:p14="http://schemas.microsoft.com/office/powerpoint/2010/main" val="776858366"/>
       </p:ext>
     </p:extLst>
   </p:cSld>
